--- a/AWS EKS Kubeflow Quickstart.pptx
+++ b/AWS EKS Kubeflow Quickstart.pptx
@@ -12,8 +12,8 @@
     <p:sldId id="260" r:id="rId3"/>
     <p:sldId id="258" r:id="rId4"/>
     <p:sldId id="264" r:id="rId5"/>
-    <p:sldId id="259" r:id="rId6"/>
-    <p:sldId id="262" r:id="rId7"/>
+    <p:sldId id="262" r:id="rId6"/>
+    <p:sldId id="259" r:id="rId7"/>
     <p:sldId id="257" r:id="rId8"/>
     <p:sldId id="265" r:id="rId9"/>
   </p:sldIdLst>
@@ -199,7 +199,7 @@
           <a:p>
             <a:fld id="{42220474-7C62-44B7-B8E5-673F865CFD35}" type="datetimeFigureOut">
               <a:rPr lang="en-US" smtClean="0"/>
-              <a:t>12/29/2022</a:t>
+              <a:t>12/31/2022</a:t>
             </a:fld>
             <a:endParaRPr lang="en-US"/>
           </a:p>
@@ -648,7 +648,7 @@
           <a:p>
             <a:fld id="{4EB7D4DB-3C1C-47E0-AE73-99F3EFD53322}" type="datetimeFigureOut">
               <a:rPr lang="en-US" smtClean="0"/>
-              <a:t>12/29/2022</a:t>
+              <a:t>12/31/2022</a:t>
             </a:fld>
             <a:endParaRPr lang="en-US"/>
           </a:p>
@@ -818,7 +818,7 @@
           <a:p>
             <a:fld id="{4EB7D4DB-3C1C-47E0-AE73-99F3EFD53322}" type="datetimeFigureOut">
               <a:rPr lang="en-US" smtClean="0"/>
-              <a:t>12/29/2022</a:t>
+              <a:t>12/31/2022</a:t>
             </a:fld>
             <a:endParaRPr lang="en-US"/>
           </a:p>
@@ -998,7 +998,7 @@
           <a:p>
             <a:fld id="{4EB7D4DB-3C1C-47E0-AE73-99F3EFD53322}" type="datetimeFigureOut">
               <a:rPr lang="en-US" smtClean="0"/>
-              <a:t>12/29/2022</a:t>
+              <a:t>12/31/2022</a:t>
             </a:fld>
             <a:endParaRPr lang="en-US"/>
           </a:p>
@@ -1168,7 +1168,7 @@
           <a:p>
             <a:fld id="{4EB7D4DB-3C1C-47E0-AE73-99F3EFD53322}" type="datetimeFigureOut">
               <a:rPr lang="en-US" smtClean="0"/>
-              <a:t>12/29/2022</a:t>
+              <a:t>12/31/2022</a:t>
             </a:fld>
             <a:endParaRPr lang="en-US"/>
           </a:p>
@@ -1414,7 +1414,7 @@
           <a:p>
             <a:fld id="{4EB7D4DB-3C1C-47E0-AE73-99F3EFD53322}" type="datetimeFigureOut">
               <a:rPr lang="en-US" smtClean="0"/>
-              <a:t>12/29/2022</a:t>
+              <a:t>12/31/2022</a:t>
             </a:fld>
             <a:endParaRPr lang="en-US"/>
           </a:p>
@@ -1702,7 +1702,7 @@
           <a:p>
             <a:fld id="{4EB7D4DB-3C1C-47E0-AE73-99F3EFD53322}" type="datetimeFigureOut">
               <a:rPr lang="en-US" smtClean="0"/>
-              <a:t>12/29/2022</a:t>
+              <a:t>12/31/2022</a:t>
             </a:fld>
             <a:endParaRPr lang="en-US"/>
           </a:p>
@@ -2124,7 +2124,7 @@
           <a:p>
             <a:fld id="{4EB7D4DB-3C1C-47E0-AE73-99F3EFD53322}" type="datetimeFigureOut">
               <a:rPr lang="en-US" smtClean="0"/>
-              <a:t>12/29/2022</a:t>
+              <a:t>12/31/2022</a:t>
             </a:fld>
             <a:endParaRPr lang="en-US"/>
           </a:p>
@@ -2242,7 +2242,7 @@
           <a:p>
             <a:fld id="{4EB7D4DB-3C1C-47E0-AE73-99F3EFD53322}" type="datetimeFigureOut">
               <a:rPr lang="en-US" smtClean="0"/>
-              <a:t>12/29/2022</a:t>
+              <a:t>12/31/2022</a:t>
             </a:fld>
             <a:endParaRPr lang="en-US"/>
           </a:p>
@@ -2337,7 +2337,7 @@
           <a:p>
             <a:fld id="{4EB7D4DB-3C1C-47E0-AE73-99F3EFD53322}" type="datetimeFigureOut">
               <a:rPr lang="en-US" smtClean="0"/>
-              <a:t>12/29/2022</a:t>
+              <a:t>12/31/2022</a:t>
             </a:fld>
             <a:endParaRPr lang="en-US"/>
           </a:p>
@@ -2614,7 +2614,7 @@
           <a:p>
             <a:fld id="{4EB7D4DB-3C1C-47E0-AE73-99F3EFD53322}" type="datetimeFigureOut">
               <a:rPr lang="en-US" smtClean="0"/>
-              <a:t>12/29/2022</a:t>
+              <a:t>12/31/2022</a:t>
             </a:fld>
             <a:endParaRPr lang="en-US"/>
           </a:p>
@@ -2867,7 +2867,7 @@
           <a:p>
             <a:fld id="{4EB7D4DB-3C1C-47E0-AE73-99F3EFD53322}" type="datetimeFigureOut">
               <a:rPr lang="en-US" smtClean="0"/>
-              <a:t>12/29/2022</a:t>
+              <a:t>12/31/2022</a:t>
             </a:fld>
             <a:endParaRPr lang="en-US"/>
           </a:p>
@@ -3080,7 +3080,7 @@
           <a:p>
             <a:fld id="{4EB7D4DB-3C1C-47E0-AE73-99F3EFD53322}" type="datetimeFigureOut">
               <a:rPr lang="en-US" smtClean="0"/>
-              <a:t>12/29/2022</a:t>
+              <a:t>12/31/2022</a:t>
             </a:fld>
             <a:endParaRPr lang="en-US"/>
           </a:p>
@@ -3675,7 +3675,7 @@
         <p:spPr>
           <a:xfrm>
             <a:off x="533400" y="4191000"/>
-            <a:ext cx="8015287" cy="1292662"/>
+            <a:ext cx="8015287" cy="1415772"/>
           </a:xfrm>
           <a:prstGeom prst="rect">
             <a:avLst/>
@@ -3690,7 +3690,7 @@
           <a:p>
             <a:pPr algn="ctr"/>
             <a:r>
-              <a:rPr lang="en-US" sz="2400" b="1" dirty="0" smtClean="0"/>
+              <a:rPr lang="en-US" sz="3200" b="1" dirty="0" smtClean="0"/>
               <a:t>AWS EKS Kubeflow Quick Start</a:t>
             </a:r>
           </a:p>
@@ -3811,11 +3811,7 @@
             </a:r>
             <a:r>
               <a:rPr lang="en-US" sz="1800" dirty="0" smtClean="0"/>
-              <a:t>tasks </a:t>
-            </a:r>
-            <a:r>
-              <a:rPr lang="en-US" sz="1800" dirty="0" smtClean="0"/>
-              <a:t>for preparing </a:t>
+              <a:t>tasks for preparing </a:t>
             </a:r>
             <a:r>
               <a:rPr lang="en-US" sz="1800" dirty="0"/>
@@ -3873,15 +3869,7 @@
             </a:r>
             <a:r>
               <a:rPr lang="en-US" sz="1800" dirty="0" smtClean="0"/>
-              <a:t>preform </a:t>
-            </a:r>
-            <a:r>
-              <a:rPr lang="en-US" sz="1800" dirty="0" smtClean="0"/>
-              <a:t>tasks </a:t>
-            </a:r>
-            <a:r>
-              <a:rPr lang="en-US" sz="1800" dirty="0" smtClean="0"/>
-              <a:t>for preparing </a:t>
+              <a:t>preform tasks for preparing </a:t>
             </a:r>
             <a:r>
               <a:rPr lang="en-US" sz="1800" dirty="0"/>
@@ -4402,6 +4390,194 @@
             </a:pPr>
             <a:r>
               <a:rPr lang="en-US" sz="1800" dirty="0" smtClean="0"/>
+              <a:t>In this lab we will install Kubeflow on AWS Elastic Kubernetes Service (EKS).   </a:t>
+            </a:r>
+            <a:br>
+              <a:rPr lang="en-US" sz="1800" dirty="0" smtClean="0"/>
+            </a:br>
+            <a:r>
+              <a:rPr lang="en-US" sz="1800" dirty="0" smtClean="0"/>
+              <a:t>Although I did find quite a few documents on installing Kubeflow on EKS, they were either confusing, inaccurate, or missing information.</a:t>
+            </a:r>
+          </a:p>
+          <a:p>
+            <a:pPr marL="0" indent="0">
+              <a:buNone/>
+            </a:pPr>
+            <a:endParaRPr lang="en-US" sz="1800" dirty="0"/>
+          </a:p>
+          <a:p>
+            <a:pPr marL="0" indent="0">
+              <a:buNone/>
+            </a:pPr>
+            <a:r>
+              <a:rPr lang="en-US" sz="1800" dirty="0"/>
+              <a:t>It’s pretty hard to experiment and work with something new if you can’t get the basic service running.  So I developed a reliable, repeatable process to get you up and running  with Kubeflow quickly</a:t>
+            </a:r>
+            <a:r>
+              <a:rPr lang="en-US" sz="1800" dirty="0" smtClean="0"/>
+              <a:t>.</a:t>
+            </a:r>
+            <a:endParaRPr lang="en-US" sz="1800" b="1" dirty="0" smtClean="0"/>
+          </a:p>
+          <a:p>
+            <a:pPr marL="0" indent="0">
+              <a:buNone/>
+            </a:pPr>
+            <a:endParaRPr lang="en-US" sz="1800" b="1" dirty="0"/>
+          </a:p>
+          <a:p>
+            <a:pPr marL="0" indent="0">
+              <a:buNone/>
+            </a:pPr>
+            <a:r>
+              <a:rPr lang="en-US" sz="1800" dirty="0" smtClean="0"/>
+              <a:t>Please see “AWS </a:t>
+            </a:r>
+            <a:r>
+              <a:rPr lang="en-US" sz="1800" dirty="0"/>
+              <a:t>Elastic Kubernetes Service (EKS) Kubeflow </a:t>
+            </a:r>
+            <a:r>
+              <a:rPr lang="en-US" sz="1800" dirty="0" smtClean="0"/>
+              <a:t>QuickStart” in the reference section of this slide deck pointing to a GitHub project which contains the step by step instructions you’ll need.</a:t>
+            </a:r>
+            <a:endParaRPr lang="en-US" sz="1800" dirty="0"/>
+          </a:p>
+        </p:txBody>
+      </p:sp>
+      <p:grpSp>
+        <p:nvGrpSpPr>
+          <p:cNvPr id="4" name="Group 3"/>
+          <p:cNvGrpSpPr/>
+          <p:nvPr/>
+        </p:nvGrpSpPr>
+        <p:grpSpPr>
+          <a:xfrm>
+            <a:off x="2514600" y="218979"/>
+            <a:ext cx="4114800" cy="762000"/>
+            <a:chOff x="568174" y="220462"/>
+            <a:chExt cx="3102037" cy="762000"/>
+          </a:xfrm>
+        </p:grpSpPr>
+        <p:pic>
+          <p:nvPicPr>
+            <p:cNvPr id="5" name="Picture 4"/>
+            <p:cNvPicPr>
+              <a:picLocks noChangeAspect="1"/>
+            </p:cNvPicPr>
+            <p:nvPr/>
+          </p:nvPicPr>
+          <p:blipFill>
+            <a:blip r:embed="rId2">
+              <a:extLst>
+                <a:ext uri="{28A0092B-C50C-407E-A947-70E740481C1C}">
+                  <a14:useLocalDpi xmlns:a14="http://schemas.microsoft.com/office/drawing/2010/main" val="0"/>
+                </a:ext>
+              </a:extLst>
+            </a:blip>
+            <a:stretch>
+              <a:fillRect/>
+            </a:stretch>
+          </p:blipFill>
+          <p:spPr>
+            <a:xfrm>
+              <a:off x="568174" y="220462"/>
+              <a:ext cx="861676" cy="762000"/>
+            </a:xfrm>
+            <a:prstGeom prst="rect">
+              <a:avLst/>
+            </a:prstGeom>
+          </p:spPr>
+        </p:pic>
+        <p:sp>
+          <p:nvSpPr>
+            <p:cNvPr id="6" name="TextBox 5"/>
+            <p:cNvSpPr txBox="1"/>
+            <p:nvPr/>
+          </p:nvSpPr>
+          <p:spPr>
+            <a:xfrm>
+              <a:off x="1528722" y="285820"/>
+              <a:ext cx="2141489" cy="584775"/>
+            </a:xfrm>
+            <a:prstGeom prst="rect">
+              <a:avLst/>
+            </a:prstGeom>
+            <a:noFill/>
+          </p:spPr>
+          <p:txBody>
+            <a:bodyPr wrap="none" rtlCol="0">
+              <a:spAutoFit/>
+            </a:bodyPr>
+            <a:lstStyle/>
+            <a:p>
+              <a:r>
+                <a:rPr lang="en-US" sz="3200" b="1" dirty="0" smtClean="0"/>
+                <a:t>KAL Technology</a:t>
+              </a:r>
+              <a:endParaRPr lang="en-US" sz="3200" b="1" dirty="0"/>
+            </a:p>
+          </p:txBody>
+        </p:sp>
+      </p:grpSp>
+    </p:spTree>
+    <p:extLst>
+      <p:ext uri="{BB962C8B-B14F-4D97-AF65-F5344CB8AC3E}">
+        <p14:creationId xmlns:p14="http://schemas.microsoft.com/office/powerpoint/2010/main" val="1443698488"/>
+      </p:ext>
+    </p:extLst>
+  </p:cSld>
+  <p:clrMapOvr>
+    <a:masterClrMapping/>
+  </p:clrMapOvr>
+  <p:timing>
+    <p:tnLst>
+      <p:par>
+        <p:cTn id="1" dur="indefinite" restart="never" nodeType="tmRoot"/>
+      </p:par>
+    </p:tnLst>
+  </p:timing>
+</p:sld>
+</file>
+
+<file path=ppt/slides/slide6.xml><?xml version="1.0" encoding="utf-8"?>
+<p:sld xmlns:a="http://schemas.openxmlformats.org/drawingml/2006/main" xmlns:r="http://schemas.openxmlformats.org/officeDocument/2006/relationships" xmlns:p="http://schemas.openxmlformats.org/presentationml/2006/main">
+  <p:cSld>
+    <p:spTree>
+      <p:nvGrpSpPr>
+        <p:cNvPr id="1" name=""/>
+        <p:cNvGrpSpPr/>
+        <p:nvPr/>
+      </p:nvGrpSpPr>
+      <p:grpSpPr>
+        <a:xfrm>
+          <a:off x="0" y="0"/>
+          <a:ext cx="0" cy="0"/>
+          <a:chOff x="0" y="0"/>
+          <a:chExt cx="0" cy="0"/>
+        </a:xfrm>
+      </p:grpSpPr>
+      <p:sp>
+        <p:nvSpPr>
+          <p:cNvPr id="3" name="Content Placeholder 2"/>
+          <p:cNvSpPr>
+            <a:spLocks noGrp="1"/>
+          </p:cNvSpPr>
+          <p:nvPr>
+            <p:ph idx="1"/>
+          </p:nvPr>
+        </p:nvSpPr>
+        <p:spPr/>
+        <p:txBody>
+          <a:bodyPr/>
+          <a:lstStyle/>
+          <a:p>
+            <a:pPr marL="0" indent="0">
+              <a:buNone/>
+            </a:pPr>
+            <a:r>
+              <a:rPr lang="en-US" sz="1800" dirty="0" smtClean="0"/>
               <a:t>Lab Prerequisites:</a:t>
             </a:r>
           </a:p>
@@ -4504,226 +4680,6 @@
     <p:extLst>
       <p:ext uri="{BB962C8B-B14F-4D97-AF65-F5344CB8AC3E}">
         <p14:creationId xmlns:p14="http://schemas.microsoft.com/office/powerpoint/2010/main" val="546475874"/>
-      </p:ext>
-    </p:extLst>
-  </p:cSld>
-  <p:clrMapOvr>
-    <a:masterClrMapping/>
-  </p:clrMapOvr>
-  <p:timing>
-    <p:tnLst>
-      <p:par>
-        <p:cTn id="1" dur="indefinite" restart="never" nodeType="tmRoot"/>
-      </p:par>
-    </p:tnLst>
-  </p:timing>
-</p:sld>
-</file>
-
-<file path=ppt/slides/slide6.xml><?xml version="1.0" encoding="utf-8"?>
-<p:sld xmlns:a="http://schemas.openxmlformats.org/drawingml/2006/main" xmlns:r="http://schemas.openxmlformats.org/officeDocument/2006/relationships" xmlns:p="http://schemas.openxmlformats.org/presentationml/2006/main">
-  <p:cSld>
-    <p:spTree>
-      <p:nvGrpSpPr>
-        <p:cNvPr id="1" name=""/>
-        <p:cNvGrpSpPr/>
-        <p:nvPr/>
-      </p:nvGrpSpPr>
-      <p:grpSpPr>
-        <a:xfrm>
-          <a:off x="0" y="0"/>
-          <a:ext cx="0" cy="0"/>
-          <a:chOff x="0" y="0"/>
-          <a:chExt cx="0" cy="0"/>
-        </a:xfrm>
-      </p:grpSpPr>
-      <p:sp>
-        <p:nvSpPr>
-          <p:cNvPr id="3" name="Content Placeholder 2"/>
-          <p:cNvSpPr>
-            <a:spLocks noGrp="1"/>
-          </p:cNvSpPr>
-          <p:nvPr>
-            <p:ph idx="1"/>
-          </p:nvPr>
-        </p:nvSpPr>
-        <p:spPr/>
-        <p:txBody>
-          <a:bodyPr/>
-          <a:lstStyle/>
-          <a:p>
-            <a:pPr marL="0" indent="0">
-              <a:buNone/>
-            </a:pPr>
-            <a:r>
-              <a:rPr lang="en-US" sz="1800" dirty="0" smtClean="0"/>
-              <a:t>In this lab </a:t>
-            </a:r>
-            <a:r>
-              <a:rPr lang="en-US" sz="1800" dirty="0" smtClean="0"/>
-              <a:t>we will install Kubeflow on AWS Elastic Kubernetes Service (EKS).   </a:t>
-            </a:r>
-            <a:br>
-              <a:rPr lang="en-US" sz="1800" dirty="0" smtClean="0"/>
-            </a:br>
-            <a:r>
-              <a:rPr lang="en-US" sz="1800" dirty="0" smtClean="0"/>
-              <a:t>Although I did find </a:t>
-            </a:r>
-            <a:r>
-              <a:rPr lang="en-US" sz="1800" dirty="0" smtClean="0"/>
-              <a:t>quite a few </a:t>
-            </a:r>
-            <a:r>
-              <a:rPr lang="en-US" sz="1800" dirty="0" smtClean="0"/>
-              <a:t>documents on </a:t>
-            </a:r>
-            <a:r>
-              <a:rPr lang="en-US" sz="1800" dirty="0" smtClean="0"/>
-              <a:t>installing Kubeflow on EKS, </a:t>
-            </a:r>
-            <a:r>
-              <a:rPr lang="en-US" sz="1800" dirty="0" smtClean="0"/>
-              <a:t>they were either </a:t>
-            </a:r>
-            <a:r>
-              <a:rPr lang="en-US" sz="1800" dirty="0" smtClean="0"/>
-              <a:t>confusing, inaccurate, or missing information.</a:t>
-            </a:r>
-          </a:p>
-          <a:p>
-            <a:pPr marL="0" indent="0">
-              <a:buNone/>
-            </a:pPr>
-            <a:endParaRPr lang="en-US" sz="1800" dirty="0"/>
-          </a:p>
-          <a:p>
-            <a:pPr marL="0" indent="0">
-              <a:buNone/>
-            </a:pPr>
-            <a:r>
-              <a:rPr lang="en-US" sz="1800" dirty="0"/>
-              <a:t>It’s pretty hard to experiment and work with something new if you can’t get the basic service running.  So I developed a reliable, repeatable process to get you up and running  with Kubeflow quickly</a:t>
-            </a:r>
-            <a:r>
-              <a:rPr lang="en-US" sz="1800" dirty="0" smtClean="0"/>
-              <a:t>.</a:t>
-            </a:r>
-            <a:endParaRPr lang="en-US" sz="1800" b="1" dirty="0" smtClean="0"/>
-          </a:p>
-          <a:p>
-            <a:pPr marL="0" indent="0">
-              <a:buNone/>
-            </a:pPr>
-            <a:endParaRPr lang="en-US" sz="1800" b="1" dirty="0"/>
-          </a:p>
-          <a:p>
-            <a:pPr marL="0" indent="0">
-              <a:buNone/>
-            </a:pPr>
-            <a:r>
-              <a:rPr lang="en-US" sz="1800" dirty="0" smtClean="0"/>
-              <a:t>Please see “AWS </a:t>
-            </a:r>
-            <a:r>
-              <a:rPr lang="en-US" sz="1800" dirty="0"/>
-              <a:t>Elastic Kubernetes Service (EKS) Kubeflow </a:t>
-            </a:r>
-            <a:r>
-              <a:rPr lang="en-US" sz="1800" dirty="0" smtClean="0"/>
-              <a:t>QuickStart” in the reference section of this slide deck </a:t>
-            </a:r>
-            <a:r>
-              <a:rPr lang="en-US" sz="1800" dirty="0" smtClean="0"/>
-              <a:t>pointing to a GitHub </a:t>
-            </a:r>
-            <a:r>
-              <a:rPr lang="en-US" sz="1800" dirty="0" smtClean="0"/>
-              <a:t>project which contains the step by step instructions you’ll need.</a:t>
-            </a:r>
-            <a:endParaRPr lang="en-US" sz="1800" dirty="0"/>
-          </a:p>
-        </p:txBody>
-      </p:sp>
-      <p:grpSp>
-        <p:nvGrpSpPr>
-          <p:cNvPr id="4" name="Group 3"/>
-          <p:cNvGrpSpPr/>
-          <p:nvPr/>
-        </p:nvGrpSpPr>
-        <p:grpSpPr>
-          <a:xfrm>
-            <a:off x="2514600" y="218979"/>
-            <a:ext cx="4114800" cy="762000"/>
-            <a:chOff x="568174" y="220462"/>
-            <a:chExt cx="3102037" cy="762000"/>
-          </a:xfrm>
-        </p:grpSpPr>
-        <p:pic>
-          <p:nvPicPr>
-            <p:cNvPr id="5" name="Picture 4"/>
-            <p:cNvPicPr>
-              <a:picLocks noChangeAspect="1"/>
-            </p:cNvPicPr>
-            <p:nvPr/>
-          </p:nvPicPr>
-          <p:blipFill>
-            <a:blip r:embed="rId2">
-              <a:extLst>
-                <a:ext uri="{28A0092B-C50C-407E-A947-70E740481C1C}">
-                  <a14:useLocalDpi xmlns:a14="http://schemas.microsoft.com/office/drawing/2010/main" val="0"/>
-                </a:ext>
-              </a:extLst>
-            </a:blip>
-            <a:stretch>
-              <a:fillRect/>
-            </a:stretch>
-          </p:blipFill>
-          <p:spPr>
-            <a:xfrm>
-              <a:off x="568174" y="220462"/>
-              <a:ext cx="861676" cy="762000"/>
-            </a:xfrm>
-            <a:prstGeom prst="rect">
-              <a:avLst/>
-            </a:prstGeom>
-          </p:spPr>
-        </p:pic>
-        <p:sp>
-          <p:nvSpPr>
-            <p:cNvPr id="6" name="TextBox 5"/>
-            <p:cNvSpPr txBox="1"/>
-            <p:nvPr/>
-          </p:nvSpPr>
-          <p:spPr>
-            <a:xfrm>
-              <a:off x="1528722" y="285820"/>
-              <a:ext cx="2141489" cy="584775"/>
-            </a:xfrm>
-            <a:prstGeom prst="rect">
-              <a:avLst/>
-            </a:prstGeom>
-            <a:noFill/>
-          </p:spPr>
-          <p:txBody>
-            <a:bodyPr wrap="none" rtlCol="0">
-              <a:spAutoFit/>
-            </a:bodyPr>
-            <a:lstStyle/>
-            <a:p>
-              <a:r>
-                <a:rPr lang="en-US" sz="3200" b="1" dirty="0" smtClean="0"/>
-                <a:t>KAL Technology</a:t>
-              </a:r>
-              <a:endParaRPr lang="en-US" sz="3200" b="1" dirty="0"/>
-            </a:p>
-          </p:txBody>
-        </p:sp>
-      </p:grpSp>
-    </p:spTree>
-    <p:extLst>
-      <p:ext uri="{BB962C8B-B14F-4D97-AF65-F5344CB8AC3E}">
-        <p14:creationId xmlns:p14="http://schemas.microsoft.com/office/powerpoint/2010/main" val="1443698488"/>
       </p:ext>
     </p:extLst>
   </p:cSld>

--- a/AWS EKS Kubeflow Quickstart.pptx
+++ b/AWS EKS Kubeflow Quickstart.pptx
@@ -199,7 +199,7 @@
           <a:p>
             <a:fld id="{42220474-7C62-44B7-B8E5-673F865CFD35}" type="datetimeFigureOut">
               <a:rPr lang="en-US" smtClean="0"/>
-              <a:t>12/31/2022</a:t>
+              <a:t>1/7/2023</a:t>
             </a:fld>
             <a:endParaRPr lang="en-US"/>
           </a:p>
@@ -648,7 +648,7 @@
           <a:p>
             <a:fld id="{4EB7D4DB-3C1C-47E0-AE73-99F3EFD53322}" type="datetimeFigureOut">
               <a:rPr lang="en-US" smtClean="0"/>
-              <a:t>12/31/2022</a:t>
+              <a:t>1/7/2023</a:t>
             </a:fld>
             <a:endParaRPr lang="en-US"/>
           </a:p>
@@ -818,7 +818,7 @@
           <a:p>
             <a:fld id="{4EB7D4DB-3C1C-47E0-AE73-99F3EFD53322}" type="datetimeFigureOut">
               <a:rPr lang="en-US" smtClean="0"/>
-              <a:t>12/31/2022</a:t>
+              <a:t>1/7/2023</a:t>
             </a:fld>
             <a:endParaRPr lang="en-US"/>
           </a:p>
@@ -998,7 +998,7 @@
           <a:p>
             <a:fld id="{4EB7D4DB-3C1C-47E0-AE73-99F3EFD53322}" type="datetimeFigureOut">
               <a:rPr lang="en-US" smtClean="0"/>
-              <a:t>12/31/2022</a:t>
+              <a:t>1/7/2023</a:t>
             </a:fld>
             <a:endParaRPr lang="en-US"/>
           </a:p>
@@ -1168,7 +1168,7 @@
           <a:p>
             <a:fld id="{4EB7D4DB-3C1C-47E0-AE73-99F3EFD53322}" type="datetimeFigureOut">
               <a:rPr lang="en-US" smtClean="0"/>
-              <a:t>12/31/2022</a:t>
+              <a:t>1/7/2023</a:t>
             </a:fld>
             <a:endParaRPr lang="en-US"/>
           </a:p>
@@ -1414,7 +1414,7 @@
           <a:p>
             <a:fld id="{4EB7D4DB-3C1C-47E0-AE73-99F3EFD53322}" type="datetimeFigureOut">
               <a:rPr lang="en-US" smtClean="0"/>
-              <a:t>12/31/2022</a:t>
+              <a:t>1/7/2023</a:t>
             </a:fld>
             <a:endParaRPr lang="en-US"/>
           </a:p>
@@ -1702,7 +1702,7 @@
           <a:p>
             <a:fld id="{4EB7D4DB-3C1C-47E0-AE73-99F3EFD53322}" type="datetimeFigureOut">
               <a:rPr lang="en-US" smtClean="0"/>
-              <a:t>12/31/2022</a:t>
+              <a:t>1/7/2023</a:t>
             </a:fld>
             <a:endParaRPr lang="en-US"/>
           </a:p>
@@ -2124,7 +2124,7 @@
           <a:p>
             <a:fld id="{4EB7D4DB-3C1C-47E0-AE73-99F3EFD53322}" type="datetimeFigureOut">
               <a:rPr lang="en-US" smtClean="0"/>
-              <a:t>12/31/2022</a:t>
+              <a:t>1/7/2023</a:t>
             </a:fld>
             <a:endParaRPr lang="en-US"/>
           </a:p>
@@ -2242,7 +2242,7 @@
           <a:p>
             <a:fld id="{4EB7D4DB-3C1C-47E0-AE73-99F3EFD53322}" type="datetimeFigureOut">
               <a:rPr lang="en-US" smtClean="0"/>
-              <a:t>12/31/2022</a:t>
+              <a:t>1/7/2023</a:t>
             </a:fld>
             <a:endParaRPr lang="en-US"/>
           </a:p>
@@ -2337,7 +2337,7 @@
           <a:p>
             <a:fld id="{4EB7D4DB-3C1C-47E0-AE73-99F3EFD53322}" type="datetimeFigureOut">
               <a:rPr lang="en-US" smtClean="0"/>
-              <a:t>12/31/2022</a:t>
+              <a:t>1/7/2023</a:t>
             </a:fld>
             <a:endParaRPr lang="en-US"/>
           </a:p>
@@ -2614,7 +2614,7 @@
           <a:p>
             <a:fld id="{4EB7D4DB-3C1C-47E0-AE73-99F3EFD53322}" type="datetimeFigureOut">
               <a:rPr lang="en-US" smtClean="0"/>
-              <a:t>12/31/2022</a:t>
+              <a:t>1/7/2023</a:t>
             </a:fld>
             <a:endParaRPr lang="en-US"/>
           </a:p>
@@ -2867,7 +2867,7 @@
           <a:p>
             <a:fld id="{4EB7D4DB-3C1C-47E0-AE73-99F3EFD53322}" type="datetimeFigureOut">
               <a:rPr lang="en-US" smtClean="0"/>
-              <a:t>12/31/2022</a:t>
+              <a:t>1/7/2023</a:t>
             </a:fld>
             <a:endParaRPr lang="en-US"/>
           </a:p>
@@ -3080,7 +3080,7 @@
           <a:p>
             <a:fld id="{4EB7D4DB-3C1C-47E0-AE73-99F3EFD53322}" type="datetimeFigureOut">
               <a:rPr lang="en-US" smtClean="0"/>
-              <a:t>12/31/2022</a:t>
+              <a:t>1/7/2023</a:t>
             </a:fld>
             <a:endParaRPr lang="en-US"/>
           </a:p>
@@ -3770,8 +3770,27 @@
               <a:buNone/>
             </a:pPr>
             <a:r>
+              <a:rPr lang="en-US" sz="1800" b="1" dirty="0"/>
+              <a:t>AWS EKS Kubeflow Quick Start</a:t>
+            </a:r>
+          </a:p>
+          <a:p>
+            <a:pPr marL="0" indent="0">
+              <a:buNone/>
+            </a:pPr>
+            <a:endParaRPr lang="en-US" sz="1800" dirty="0" smtClean="0"/>
+          </a:p>
+          <a:p>
+            <a:pPr marL="0" indent="0">
+              <a:buNone/>
+            </a:pPr>
+            <a:r>
+              <a:rPr lang="en-US" sz="1800" dirty="0" smtClean="0"/>
+              <a:t>With </a:t>
+            </a:r>
+            <a:r>
               <a:rPr lang="en-US" sz="1800" dirty="0"/>
-              <a:t>With the </a:t>
+              <a:t>the </a:t>
             </a:r>
             <a:r>
               <a:rPr lang="en-US" sz="1800" dirty="0" smtClean="0"/>
@@ -3916,21 +3935,21 @@
       </p:sp>
       <p:grpSp>
         <p:nvGrpSpPr>
-          <p:cNvPr id="7" name="Group 6"/>
+          <p:cNvPr id="6" name="Group 5"/>
           <p:cNvGrpSpPr/>
           <p:nvPr/>
         </p:nvGrpSpPr>
         <p:grpSpPr>
           <a:xfrm>
-            <a:off x="2514600" y="218979"/>
-            <a:ext cx="4114800" cy="762000"/>
-            <a:chOff x="568174" y="220462"/>
-            <a:chExt cx="3102037" cy="762000"/>
+            <a:off x="1371600" y="218979"/>
+            <a:ext cx="6358554" cy="762000"/>
+            <a:chOff x="609601" y="220462"/>
+            <a:chExt cx="4793543" cy="762000"/>
           </a:xfrm>
         </p:grpSpPr>
         <p:pic>
           <p:nvPicPr>
-            <p:cNvPr id="8" name="Picture 7"/>
+            <p:cNvPr id="10" name="Picture 9"/>
             <p:cNvPicPr>
               <a:picLocks noChangeAspect="1"/>
             </p:cNvPicPr>
@@ -3950,7 +3969,7 @@
           </p:blipFill>
           <p:spPr>
             <a:xfrm>
-              <a:off x="568174" y="220462"/>
+              <a:off x="609601" y="220462"/>
               <a:ext cx="861676" cy="762000"/>
             </a:xfrm>
             <a:prstGeom prst="rect">
@@ -3960,14 +3979,14 @@
         </p:pic>
         <p:sp>
           <p:nvSpPr>
-            <p:cNvPr id="9" name="TextBox 8"/>
+            <p:cNvPr id="11" name="TextBox 10"/>
             <p:cNvSpPr txBox="1"/>
             <p:nvPr/>
           </p:nvSpPr>
           <p:spPr>
             <a:xfrm>
               <a:off x="1528722" y="285820"/>
-              <a:ext cx="2141489" cy="584775"/>
+              <a:ext cx="3874422" cy="584775"/>
             </a:xfrm>
             <a:prstGeom prst="rect">
               <a:avLst/>
@@ -3982,7 +4001,7 @@
             <a:p>
               <a:r>
                 <a:rPr lang="en-US" sz="3200" b="1" dirty="0" smtClean="0"/>
-                <a:t>KAL Technology</a:t>
+                <a:t>KAL Technology IT Consulting</a:t>
               </a:r>
               <a:endParaRPr lang="en-US" sz="3200" b="1" dirty="0"/>
             </a:p>
@@ -4026,81 +4045,6 @@
           <a:chExt cx="0" cy="0"/>
         </a:xfrm>
       </p:grpSpPr>
-      <p:grpSp>
-        <p:nvGrpSpPr>
-          <p:cNvPr id="4" name="Group 3"/>
-          <p:cNvGrpSpPr/>
-          <p:nvPr/>
-        </p:nvGrpSpPr>
-        <p:grpSpPr>
-          <a:xfrm>
-            <a:off x="2514600" y="218979"/>
-            <a:ext cx="4114800" cy="762000"/>
-            <a:chOff x="568174" y="220462"/>
-            <a:chExt cx="3102037" cy="762000"/>
-          </a:xfrm>
-        </p:grpSpPr>
-        <p:pic>
-          <p:nvPicPr>
-            <p:cNvPr id="5" name="Picture 4"/>
-            <p:cNvPicPr>
-              <a:picLocks noChangeAspect="1"/>
-            </p:cNvPicPr>
-            <p:nvPr/>
-          </p:nvPicPr>
-          <p:blipFill>
-            <a:blip r:embed="rId2">
-              <a:extLst>
-                <a:ext uri="{28A0092B-C50C-407E-A947-70E740481C1C}">
-                  <a14:useLocalDpi xmlns:a14="http://schemas.microsoft.com/office/drawing/2010/main" val="0"/>
-                </a:ext>
-              </a:extLst>
-            </a:blip>
-            <a:stretch>
-              <a:fillRect/>
-            </a:stretch>
-          </p:blipFill>
-          <p:spPr>
-            <a:xfrm>
-              <a:off x="568174" y="220462"/>
-              <a:ext cx="861676" cy="762000"/>
-            </a:xfrm>
-            <a:prstGeom prst="rect">
-              <a:avLst/>
-            </a:prstGeom>
-          </p:spPr>
-        </p:pic>
-        <p:sp>
-          <p:nvSpPr>
-            <p:cNvPr id="6" name="TextBox 5"/>
-            <p:cNvSpPr txBox="1"/>
-            <p:nvPr/>
-          </p:nvSpPr>
-          <p:spPr>
-            <a:xfrm>
-              <a:off x="1528722" y="285820"/>
-              <a:ext cx="2141489" cy="584775"/>
-            </a:xfrm>
-            <a:prstGeom prst="rect">
-              <a:avLst/>
-            </a:prstGeom>
-            <a:noFill/>
-          </p:spPr>
-          <p:txBody>
-            <a:bodyPr wrap="none" rtlCol="0">
-              <a:spAutoFit/>
-            </a:bodyPr>
-            <a:lstStyle/>
-            <a:p>
-              <a:r>
-                <a:rPr lang="en-US" sz="3200" b="1" dirty="0" smtClean="0"/>
-                <a:t>KAL Technology</a:t>
-              </a:r>
-              <a:endParaRPr lang="en-US" sz="3200" b="1" dirty="0"/>
-            </a:p>
-          </p:txBody>
-        </p:sp>
-      </p:grpSp>
       <p:pic>
         <p:nvPicPr>
           <p:cNvPr id="18" name="Picture 17"/>
@@ -4110,7 +4054,7 @@
           <p:nvPr/>
         </p:nvPicPr>
         <p:blipFill>
-          <a:blip r:embed="rId3">
+          <a:blip r:embed="rId2">
             <a:extLst>
               <a:ext uri="{28A0092B-C50C-407E-A947-70E740481C1C}">
                 <a14:useLocalDpi xmlns:a14="http://schemas.microsoft.com/office/drawing/2010/main" val="0"/>
@@ -4161,6 +4105,81 @@
           </a:p>
         </p:txBody>
       </p:sp>
+      <p:grpSp>
+        <p:nvGrpSpPr>
+          <p:cNvPr id="7" name="Group 6"/>
+          <p:cNvGrpSpPr/>
+          <p:nvPr/>
+        </p:nvGrpSpPr>
+        <p:grpSpPr>
+          <a:xfrm>
+            <a:off x="1371600" y="218979"/>
+            <a:ext cx="6358554" cy="762000"/>
+            <a:chOff x="609601" y="220462"/>
+            <a:chExt cx="4793543" cy="762000"/>
+          </a:xfrm>
+        </p:grpSpPr>
+        <p:pic>
+          <p:nvPicPr>
+            <p:cNvPr id="8" name="Picture 7"/>
+            <p:cNvPicPr>
+              <a:picLocks noChangeAspect="1"/>
+            </p:cNvPicPr>
+            <p:nvPr/>
+          </p:nvPicPr>
+          <p:blipFill>
+            <a:blip r:embed="rId3">
+              <a:extLst>
+                <a:ext uri="{28A0092B-C50C-407E-A947-70E740481C1C}">
+                  <a14:useLocalDpi xmlns:a14="http://schemas.microsoft.com/office/drawing/2010/main" val="0"/>
+                </a:ext>
+              </a:extLst>
+            </a:blip>
+            <a:stretch>
+              <a:fillRect/>
+            </a:stretch>
+          </p:blipFill>
+          <p:spPr>
+            <a:xfrm>
+              <a:off x="609601" y="220462"/>
+              <a:ext cx="861676" cy="762000"/>
+            </a:xfrm>
+            <a:prstGeom prst="rect">
+              <a:avLst/>
+            </a:prstGeom>
+          </p:spPr>
+        </p:pic>
+        <p:sp>
+          <p:nvSpPr>
+            <p:cNvPr id="9" name="TextBox 8"/>
+            <p:cNvSpPr txBox="1"/>
+            <p:nvPr/>
+          </p:nvSpPr>
+          <p:spPr>
+            <a:xfrm>
+              <a:off x="1528722" y="285820"/>
+              <a:ext cx="3874422" cy="584775"/>
+            </a:xfrm>
+            <a:prstGeom prst="rect">
+              <a:avLst/>
+            </a:prstGeom>
+            <a:noFill/>
+          </p:spPr>
+          <p:txBody>
+            <a:bodyPr wrap="none" rtlCol="0">
+              <a:spAutoFit/>
+            </a:bodyPr>
+            <a:lstStyle/>
+            <a:p>
+              <a:r>
+                <a:rPr lang="en-US" sz="3200" b="1" dirty="0" smtClean="0"/>
+                <a:t>KAL Technology IT Consulting</a:t>
+              </a:r>
+              <a:endParaRPr lang="en-US" sz="3200" b="1" dirty="0"/>
+            </a:p>
+          </p:txBody>
+        </p:sp>
+      </p:grpSp>
     </p:spTree>
     <p:extLst>
       <p:ext uri="{BB962C8B-B14F-4D97-AF65-F5344CB8AC3E}">
@@ -4198,81 +4217,6 @@
           <a:chExt cx="0" cy="0"/>
         </a:xfrm>
       </p:grpSpPr>
-      <p:grpSp>
-        <p:nvGrpSpPr>
-          <p:cNvPr id="4" name="Group 3"/>
-          <p:cNvGrpSpPr/>
-          <p:nvPr/>
-        </p:nvGrpSpPr>
-        <p:grpSpPr>
-          <a:xfrm>
-            <a:off x="2514600" y="218979"/>
-            <a:ext cx="4114800" cy="762000"/>
-            <a:chOff x="568174" y="220462"/>
-            <a:chExt cx="3102037" cy="762000"/>
-          </a:xfrm>
-        </p:grpSpPr>
-        <p:pic>
-          <p:nvPicPr>
-            <p:cNvPr id="5" name="Picture 4"/>
-            <p:cNvPicPr>
-              <a:picLocks noChangeAspect="1"/>
-            </p:cNvPicPr>
-            <p:nvPr/>
-          </p:nvPicPr>
-          <p:blipFill>
-            <a:blip r:embed="rId2">
-              <a:extLst>
-                <a:ext uri="{28A0092B-C50C-407E-A947-70E740481C1C}">
-                  <a14:useLocalDpi xmlns:a14="http://schemas.microsoft.com/office/drawing/2010/main" val="0"/>
-                </a:ext>
-              </a:extLst>
-            </a:blip>
-            <a:stretch>
-              <a:fillRect/>
-            </a:stretch>
-          </p:blipFill>
-          <p:spPr>
-            <a:xfrm>
-              <a:off x="568174" y="220462"/>
-              <a:ext cx="861676" cy="762000"/>
-            </a:xfrm>
-            <a:prstGeom prst="rect">
-              <a:avLst/>
-            </a:prstGeom>
-          </p:spPr>
-        </p:pic>
-        <p:sp>
-          <p:nvSpPr>
-            <p:cNvPr id="6" name="TextBox 5"/>
-            <p:cNvSpPr txBox="1"/>
-            <p:nvPr/>
-          </p:nvSpPr>
-          <p:spPr>
-            <a:xfrm>
-              <a:off x="1528722" y="285820"/>
-              <a:ext cx="2141489" cy="584775"/>
-            </a:xfrm>
-            <a:prstGeom prst="rect">
-              <a:avLst/>
-            </a:prstGeom>
-            <a:noFill/>
-          </p:spPr>
-          <p:txBody>
-            <a:bodyPr wrap="none" rtlCol="0">
-              <a:spAutoFit/>
-            </a:bodyPr>
-            <a:lstStyle/>
-            <a:p>
-              <a:r>
-                <a:rPr lang="en-US" sz="3200" b="1" dirty="0" smtClean="0"/>
-                <a:t>KAL Technology</a:t>
-              </a:r>
-              <a:endParaRPr lang="en-US" sz="3200" b="1" dirty="0"/>
-            </a:p>
-          </p:txBody>
-        </p:sp>
-      </p:grpSp>
       <p:pic>
         <p:nvPicPr>
           <p:cNvPr id="2" name="Picture 1"/>
@@ -4282,7 +4226,7 @@
           <p:nvPr/>
         </p:nvPicPr>
         <p:blipFill>
-          <a:blip r:embed="rId3">
+          <a:blip r:embed="rId2">
             <a:extLst>
               <a:ext uri="{28A0092B-C50C-407E-A947-70E740481C1C}">
                 <a14:useLocalDpi xmlns:a14="http://schemas.microsoft.com/office/drawing/2010/main" val="0"/>
@@ -4333,6 +4277,81 @@
           </a:p>
         </p:txBody>
       </p:sp>
+      <p:grpSp>
+        <p:nvGrpSpPr>
+          <p:cNvPr id="8" name="Group 7"/>
+          <p:cNvGrpSpPr/>
+          <p:nvPr/>
+        </p:nvGrpSpPr>
+        <p:grpSpPr>
+          <a:xfrm>
+            <a:off x="1371600" y="218979"/>
+            <a:ext cx="6358554" cy="762000"/>
+            <a:chOff x="609601" y="220462"/>
+            <a:chExt cx="4793543" cy="762000"/>
+          </a:xfrm>
+        </p:grpSpPr>
+        <p:pic>
+          <p:nvPicPr>
+            <p:cNvPr id="9" name="Picture 8"/>
+            <p:cNvPicPr>
+              <a:picLocks noChangeAspect="1"/>
+            </p:cNvPicPr>
+            <p:nvPr/>
+          </p:nvPicPr>
+          <p:blipFill>
+            <a:blip r:embed="rId3">
+              <a:extLst>
+                <a:ext uri="{28A0092B-C50C-407E-A947-70E740481C1C}">
+                  <a14:useLocalDpi xmlns:a14="http://schemas.microsoft.com/office/drawing/2010/main" val="0"/>
+                </a:ext>
+              </a:extLst>
+            </a:blip>
+            <a:stretch>
+              <a:fillRect/>
+            </a:stretch>
+          </p:blipFill>
+          <p:spPr>
+            <a:xfrm>
+              <a:off x="609601" y="220462"/>
+              <a:ext cx="861676" cy="762000"/>
+            </a:xfrm>
+            <a:prstGeom prst="rect">
+              <a:avLst/>
+            </a:prstGeom>
+          </p:spPr>
+        </p:pic>
+        <p:sp>
+          <p:nvSpPr>
+            <p:cNvPr id="10" name="TextBox 9"/>
+            <p:cNvSpPr txBox="1"/>
+            <p:nvPr/>
+          </p:nvSpPr>
+          <p:spPr>
+            <a:xfrm>
+              <a:off x="1528722" y="285820"/>
+              <a:ext cx="3874422" cy="584775"/>
+            </a:xfrm>
+            <a:prstGeom prst="rect">
+              <a:avLst/>
+            </a:prstGeom>
+            <a:noFill/>
+          </p:spPr>
+          <p:txBody>
+            <a:bodyPr wrap="none" rtlCol="0">
+              <a:spAutoFit/>
+            </a:bodyPr>
+            <a:lstStyle/>
+            <a:p>
+              <a:r>
+                <a:rPr lang="en-US" sz="3200" b="1" dirty="0" smtClean="0"/>
+                <a:t>KAL Technology IT Consulting</a:t>
+              </a:r>
+              <a:endParaRPr lang="en-US" sz="3200" b="1" dirty="0"/>
+            </a:p>
+          </p:txBody>
+        </p:sp>
+      </p:grpSp>
     </p:spTree>
     <p:extLst>
       <p:ext uri="{BB962C8B-B14F-4D97-AF65-F5344CB8AC3E}">
@@ -4390,7 +4409,27 @@
             </a:pPr>
             <a:r>
               <a:rPr lang="en-US" sz="1800" dirty="0" smtClean="0"/>
-              <a:t>In this lab we will install Kubeflow on AWS Elastic Kubernetes Service (EKS).   </a:t>
+              <a:t>Lab Introduction:</a:t>
+            </a:r>
+            <a:endParaRPr lang="en-US" sz="1800" dirty="0" smtClean="0"/>
+          </a:p>
+          <a:p>
+            <a:pPr marL="0" indent="0">
+              <a:buNone/>
+            </a:pPr>
+            <a:endParaRPr lang="en-US" sz="1800" dirty="0"/>
+          </a:p>
+          <a:p>
+            <a:pPr marL="0" indent="0">
+              <a:buNone/>
+            </a:pPr>
+            <a:r>
+              <a:rPr lang="en-US" sz="1800" dirty="0" smtClean="0"/>
+              <a:t>In </a:t>
+            </a:r>
+            <a:r>
+              <a:rPr lang="en-US" sz="1800" dirty="0" smtClean="0"/>
+              <a:t>this lab we will install Kubeflow on AWS Elastic Kubernetes Service (EKS).   </a:t>
             </a:r>
             <a:br>
               <a:rPr lang="en-US" sz="1800" dirty="0" smtClean="0"/>
@@ -4448,21 +4487,21 @@
       </p:sp>
       <p:grpSp>
         <p:nvGrpSpPr>
-          <p:cNvPr id="4" name="Group 3"/>
+          <p:cNvPr id="7" name="Group 6"/>
           <p:cNvGrpSpPr/>
           <p:nvPr/>
         </p:nvGrpSpPr>
         <p:grpSpPr>
           <a:xfrm>
-            <a:off x="2514600" y="218979"/>
-            <a:ext cx="4114800" cy="762000"/>
-            <a:chOff x="568174" y="220462"/>
-            <a:chExt cx="3102037" cy="762000"/>
+            <a:off x="1371600" y="218979"/>
+            <a:ext cx="6358554" cy="762000"/>
+            <a:chOff x="609601" y="220462"/>
+            <a:chExt cx="4793543" cy="762000"/>
           </a:xfrm>
         </p:grpSpPr>
         <p:pic>
           <p:nvPicPr>
-            <p:cNvPr id="5" name="Picture 4"/>
+            <p:cNvPr id="8" name="Picture 7"/>
             <p:cNvPicPr>
               <a:picLocks noChangeAspect="1"/>
             </p:cNvPicPr>
@@ -4482,7 +4521,7 @@
           </p:blipFill>
           <p:spPr>
             <a:xfrm>
-              <a:off x="568174" y="220462"/>
+              <a:off x="609601" y="220462"/>
               <a:ext cx="861676" cy="762000"/>
             </a:xfrm>
             <a:prstGeom prst="rect">
@@ -4492,14 +4531,14 @@
         </p:pic>
         <p:sp>
           <p:nvSpPr>
-            <p:cNvPr id="6" name="TextBox 5"/>
+            <p:cNvPr id="9" name="TextBox 8"/>
             <p:cNvSpPr txBox="1"/>
             <p:nvPr/>
           </p:nvSpPr>
           <p:spPr>
             <a:xfrm>
               <a:off x="1528722" y="285820"/>
-              <a:ext cx="2141489" cy="584775"/>
+              <a:ext cx="3874422" cy="584775"/>
             </a:xfrm>
             <a:prstGeom prst="rect">
               <a:avLst/>
@@ -4514,7 +4553,7 @@
             <a:p>
               <a:r>
                 <a:rPr lang="en-US" sz="3200" b="1" dirty="0" smtClean="0"/>
-                <a:t>KAL Technology</a:t>
+                <a:t>KAL Technology IT Consulting</a:t>
               </a:r>
               <a:endParaRPr lang="en-US" sz="3200" b="1" dirty="0"/>
             </a:p>
@@ -4603,21 +4642,21 @@
       </p:sp>
       <p:grpSp>
         <p:nvGrpSpPr>
-          <p:cNvPr id="10" name="Group 9"/>
+          <p:cNvPr id="6" name="Group 5"/>
           <p:cNvGrpSpPr/>
           <p:nvPr/>
         </p:nvGrpSpPr>
         <p:grpSpPr>
           <a:xfrm>
-            <a:off x="2514600" y="218979"/>
-            <a:ext cx="4114800" cy="762000"/>
-            <a:chOff x="568174" y="220462"/>
-            <a:chExt cx="3102037" cy="762000"/>
+            <a:off x="1371600" y="218979"/>
+            <a:ext cx="6358554" cy="762000"/>
+            <a:chOff x="609601" y="220462"/>
+            <a:chExt cx="4793543" cy="762000"/>
           </a:xfrm>
         </p:grpSpPr>
         <p:pic>
           <p:nvPicPr>
-            <p:cNvPr id="11" name="Picture 10"/>
+            <p:cNvPr id="7" name="Picture 6"/>
             <p:cNvPicPr>
               <a:picLocks noChangeAspect="1"/>
             </p:cNvPicPr>
@@ -4637,7 +4676,7 @@
           </p:blipFill>
           <p:spPr>
             <a:xfrm>
-              <a:off x="568174" y="220462"/>
+              <a:off x="609601" y="220462"/>
               <a:ext cx="861676" cy="762000"/>
             </a:xfrm>
             <a:prstGeom prst="rect">
@@ -4647,14 +4686,14 @@
         </p:pic>
         <p:sp>
           <p:nvSpPr>
-            <p:cNvPr id="12" name="TextBox 11"/>
+            <p:cNvPr id="8" name="TextBox 7"/>
             <p:cNvSpPr txBox="1"/>
             <p:nvPr/>
           </p:nvSpPr>
           <p:spPr>
             <a:xfrm>
               <a:off x="1528722" y="285820"/>
-              <a:ext cx="2141489" cy="584775"/>
+              <a:ext cx="3874422" cy="584775"/>
             </a:xfrm>
             <a:prstGeom prst="rect">
               <a:avLst/>
@@ -4669,7 +4708,7 @@
             <a:p>
               <a:r>
                 <a:rPr lang="en-US" sz="3200" b="1" dirty="0" smtClean="0"/>
-                <a:t>KAL Technology</a:t>
+                <a:t>KAL Technology IT Consulting</a:t>
               </a:r>
               <a:endParaRPr lang="en-US" sz="3200" b="1" dirty="0"/>
             </a:p>
@@ -4831,21 +4870,21 @@
       </p:sp>
       <p:grpSp>
         <p:nvGrpSpPr>
-          <p:cNvPr id="6" name="Group 5"/>
+          <p:cNvPr id="9" name="Group 8"/>
           <p:cNvGrpSpPr/>
           <p:nvPr/>
         </p:nvGrpSpPr>
         <p:grpSpPr>
           <a:xfrm>
-            <a:off x="2514600" y="218979"/>
-            <a:ext cx="4114800" cy="762000"/>
-            <a:chOff x="568174" y="220462"/>
-            <a:chExt cx="3102037" cy="762000"/>
+            <a:off x="1371600" y="218979"/>
+            <a:ext cx="6358554" cy="762000"/>
+            <a:chOff x="609601" y="220462"/>
+            <a:chExt cx="4793543" cy="762000"/>
           </a:xfrm>
         </p:grpSpPr>
         <p:pic>
           <p:nvPicPr>
-            <p:cNvPr id="7" name="Picture 6"/>
+            <p:cNvPr id="10" name="Picture 9"/>
             <p:cNvPicPr>
               <a:picLocks noChangeAspect="1"/>
             </p:cNvPicPr>
@@ -4865,7 +4904,7 @@
           </p:blipFill>
           <p:spPr>
             <a:xfrm>
-              <a:off x="568174" y="220462"/>
+              <a:off x="609601" y="220462"/>
               <a:ext cx="861676" cy="762000"/>
             </a:xfrm>
             <a:prstGeom prst="rect">
@@ -4875,14 +4914,14 @@
         </p:pic>
         <p:sp>
           <p:nvSpPr>
-            <p:cNvPr id="8" name="TextBox 7"/>
+            <p:cNvPr id="11" name="TextBox 10"/>
             <p:cNvSpPr txBox="1"/>
             <p:nvPr/>
           </p:nvSpPr>
           <p:spPr>
             <a:xfrm>
               <a:off x="1528722" y="285820"/>
-              <a:ext cx="2141489" cy="584775"/>
+              <a:ext cx="3874422" cy="584775"/>
             </a:xfrm>
             <a:prstGeom prst="rect">
               <a:avLst/>
@@ -4897,7 +4936,7 @@
             <a:p>
               <a:r>
                 <a:rPr lang="en-US" sz="3200" b="1" dirty="0" smtClean="0"/>
-                <a:t>KAL Technology</a:t>
+                <a:t>KAL Technology IT Consulting</a:t>
               </a:r>
               <a:endParaRPr lang="en-US" sz="3200" b="1" dirty="0"/>
             </a:p>

--- a/AWS EKS Kubeflow Quickstart.pptx
+++ b/AWS EKS Kubeflow Quickstart.pptx
@@ -199,7 +199,7 @@
           <a:p>
             <a:fld id="{42220474-7C62-44B7-B8E5-673F865CFD35}" type="datetimeFigureOut">
               <a:rPr lang="en-US" smtClean="0"/>
-              <a:t>1/7/2023</a:t>
+              <a:t>1/8/2023</a:t>
             </a:fld>
             <a:endParaRPr lang="en-US"/>
           </a:p>
@@ -648,7 +648,7 @@
           <a:p>
             <a:fld id="{4EB7D4DB-3C1C-47E0-AE73-99F3EFD53322}" type="datetimeFigureOut">
               <a:rPr lang="en-US" smtClean="0"/>
-              <a:t>1/7/2023</a:t>
+              <a:t>1/8/2023</a:t>
             </a:fld>
             <a:endParaRPr lang="en-US"/>
           </a:p>
@@ -818,7 +818,7 @@
           <a:p>
             <a:fld id="{4EB7D4DB-3C1C-47E0-AE73-99F3EFD53322}" type="datetimeFigureOut">
               <a:rPr lang="en-US" smtClean="0"/>
-              <a:t>1/7/2023</a:t>
+              <a:t>1/8/2023</a:t>
             </a:fld>
             <a:endParaRPr lang="en-US"/>
           </a:p>
@@ -998,7 +998,7 @@
           <a:p>
             <a:fld id="{4EB7D4DB-3C1C-47E0-AE73-99F3EFD53322}" type="datetimeFigureOut">
               <a:rPr lang="en-US" smtClean="0"/>
-              <a:t>1/7/2023</a:t>
+              <a:t>1/8/2023</a:t>
             </a:fld>
             <a:endParaRPr lang="en-US"/>
           </a:p>
@@ -1168,7 +1168,7 @@
           <a:p>
             <a:fld id="{4EB7D4DB-3C1C-47E0-AE73-99F3EFD53322}" type="datetimeFigureOut">
               <a:rPr lang="en-US" smtClean="0"/>
-              <a:t>1/7/2023</a:t>
+              <a:t>1/8/2023</a:t>
             </a:fld>
             <a:endParaRPr lang="en-US"/>
           </a:p>
@@ -1414,7 +1414,7 @@
           <a:p>
             <a:fld id="{4EB7D4DB-3C1C-47E0-AE73-99F3EFD53322}" type="datetimeFigureOut">
               <a:rPr lang="en-US" smtClean="0"/>
-              <a:t>1/7/2023</a:t>
+              <a:t>1/8/2023</a:t>
             </a:fld>
             <a:endParaRPr lang="en-US"/>
           </a:p>
@@ -1702,7 +1702,7 @@
           <a:p>
             <a:fld id="{4EB7D4DB-3C1C-47E0-AE73-99F3EFD53322}" type="datetimeFigureOut">
               <a:rPr lang="en-US" smtClean="0"/>
-              <a:t>1/7/2023</a:t>
+              <a:t>1/8/2023</a:t>
             </a:fld>
             <a:endParaRPr lang="en-US"/>
           </a:p>
@@ -2124,7 +2124,7 @@
           <a:p>
             <a:fld id="{4EB7D4DB-3C1C-47E0-AE73-99F3EFD53322}" type="datetimeFigureOut">
               <a:rPr lang="en-US" smtClean="0"/>
-              <a:t>1/7/2023</a:t>
+              <a:t>1/8/2023</a:t>
             </a:fld>
             <a:endParaRPr lang="en-US"/>
           </a:p>
@@ -2242,7 +2242,7 @@
           <a:p>
             <a:fld id="{4EB7D4DB-3C1C-47E0-AE73-99F3EFD53322}" type="datetimeFigureOut">
               <a:rPr lang="en-US" smtClean="0"/>
-              <a:t>1/7/2023</a:t>
+              <a:t>1/8/2023</a:t>
             </a:fld>
             <a:endParaRPr lang="en-US"/>
           </a:p>
@@ -2337,7 +2337,7 @@
           <a:p>
             <a:fld id="{4EB7D4DB-3C1C-47E0-AE73-99F3EFD53322}" type="datetimeFigureOut">
               <a:rPr lang="en-US" smtClean="0"/>
-              <a:t>1/7/2023</a:t>
+              <a:t>1/8/2023</a:t>
             </a:fld>
             <a:endParaRPr lang="en-US"/>
           </a:p>
@@ -2614,7 +2614,7 @@
           <a:p>
             <a:fld id="{4EB7D4DB-3C1C-47E0-AE73-99F3EFD53322}" type="datetimeFigureOut">
               <a:rPr lang="en-US" smtClean="0"/>
-              <a:t>1/7/2023</a:t>
+              <a:t>1/8/2023</a:t>
             </a:fld>
             <a:endParaRPr lang="en-US"/>
           </a:p>
@@ -2867,7 +2867,7 @@
           <a:p>
             <a:fld id="{4EB7D4DB-3C1C-47E0-AE73-99F3EFD53322}" type="datetimeFigureOut">
               <a:rPr lang="en-US" smtClean="0"/>
-              <a:t>1/7/2023</a:t>
+              <a:t>1/8/2023</a:t>
             </a:fld>
             <a:endParaRPr lang="en-US"/>
           </a:p>
@@ -3080,7 +3080,7 @@
           <a:p>
             <a:fld id="{4EB7D4DB-3C1C-47E0-AE73-99F3EFD53322}" type="datetimeFigureOut">
               <a:rPr lang="en-US" smtClean="0"/>
-              <a:t>1/7/2023</a:t>
+              <a:t>1/8/2023</a:t>
             </a:fld>
             <a:endParaRPr lang="en-US"/>
           </a:p>
@@ -3766,7 +3766,7 @@
           <a:bodyPr/>
           <a:lstStyle/>
           <a:p>
-            <a:pPr marL="0" indent="0">
+            <a:pPr marL="0" indent="0" algn="ctr">
               <a:buNone/>
             </a:pPr>
             <a:r>
@@ -4411,7 +4411,6 @@
               <a:rPr lang="en-US" sz="1800" dirty="0" smtClean="0"/>
               <a:t>Lab Introduction:</a:t>
             </a:r>
-            <a:endParaRPr lang="en-US" sz="1800" dirty="0" smtClean="0"/>
           </a:p>
           <a:p>
             <a:pPr marL="0" indent="0">
@@ -4425,11 +4424,7 @@
             </a:pPr>
             <a:r>
               <a:rPr lang="en-US" sz="1800" dirty="0" smtClean="0"/>
-              <a:t>In </a:t>
-            </a:r>
-            <a:r>
-              <a:rPr lang="en-US" sz="1800" dirty="0" smtClean="0"/>
-              <a:t>this lab we will install Kubeflow on AWS Elastic Kubernetes Service (EKS).   </a:t>
+              <a:t>In this lab we will install Kubeflow on AWS Elastic Kubernetes Service (EKS).   </a:t>
             </a:r>
             <a:br>
               <a:rPr lang="en-US" sz="1800" dirty="0" smtClean="0"/>
@@ -4635,7 +4630,15 @@
           <a:p>
             <a:r>
               <a:rPr lang="en-US" sz="1800" dirty="0" smtClean="0"/>
-              <a:t>Ability to ssh Remotely to an EC2 Instance</a:t>
+              <a:t>Ability to </a:t>
+            </a:r>
+            <a:r>
+              <a:rPr lang="en-US" sz="1800" dirty="0" smtClean="0"/>
+              <a:t>remotely ssh to </a:t>
+            </a:r>
+            <a:r>
+              <a:rPr lang="en-US" sz="1800" dirty="0" smtClean="0"/>
+              <a:t>an EC2 Instance</a:t>
             </a:r>
           </a:p>
         </p:txBody>
@@ -5004,21 +5007,21 @@
       </p:sp>
       <p:grpSp>
         <p:nvGrpSpPr>
-          <p:cNvPr id="10" name="Group 9"/>
+          <p:cNvPr id="6" name="Group 5"/>
           <p:cNvGrpSpPr/>
           <p:nvPr/>
         </p:nvGrpSpPr>
         <p:grpSpPr>
           <a:xfrm>
-            <a:off x="2514600" y="218979"/>
-            <a:ext cx="4114800" cy="762000"/>
-            <a:chOff x="568174" y="220462"/>
-            <a:chExt cx="3102037" cy="762000"/>
+            <a:off x="1371600" y="218979"/>
+            <a:ext cx="6358554" cy="762000"/>
+            <a:chOff x="609601" y="220462"/>
+            <a:chExt cx="4793543" cy="762000"/>
           </a:xfrm>
         </p:grpSpPr>
         <p:pic>
           <p:nvPicPr>
-            <p:cNvPr id="11" name="Picture 10"/>
+            <p:cNvPr id="7" name="Picture 6"/>
             <p:cNvPicPr>
               <a:picLocks noChangeAspect="1"/>
             </p:cNvPicPr>
@@ -5038,7 +5041,7 @@
           </p:blipFill>
           <p:spPr>
             <a:xfrm>
-              <a:off x="568174" y="220462"/>
+              <a:off x="609601" y="220462"/>
               <a:ext cx="861676" cy="762000"/>
             </a:xfrm>
             <a:prstGeom prst="rect">
@@ -5048,14 +5051,14 @@
         </p:pic>
         <p:sp>
           <p:nvSpPr>
-            <p:cNvPr id="12" name="TextBox 11"/>
+            <p:cNvPr id="8" name="TextBox 7"/>
             <p:cNvSpPr txBox="1"/>
             <p:nvPr/>
           </p:nvSpPr>
           <p:spPr>
             <a:xfrm>
               <a:off x="1528722" y="285820"/>
-              <a:ext cx="2141489" cy="584775"/>
+              <a:ext cx="3874422" cy="584775"/>
             </a:xfrm>
             <a:prstGeom prst="rect">
               <a:avLst/>
@@ -5070,7 +5073,7 @@
             <a:p>
               <a:r>
                 <a:rPr lang="en-US" sz="3200" b="1" dirty="0" smtClean="0"/>
-                <a:t>KAL Technology</a:t>
+                <a:t>KAL Technology IT Consulting</a:t>
               </a:r>
               <a:endParaRPr lang="en-US" sz="3200" b="1" dirty="0"/>
             </a:p>
